--- a/FrontEnd/Week2/Week 2.pptx
+++ b/FrontEnd/Week2/Week 2.pptx
@@ -4205,6 +4205,20 @@
             </a:r>
           </a:p>
           <a:p>
+            <a:pPr lvl="1"/>
+            <a:r>
+              <a:rPr lang="en-US" dirty="0"/>
+              <a:t>&lt;p&gt; …</a:t>
+            </a:r>
+          </a:p>
+          <a:p>
+            <a:pPr lvl="1"/>
+            <a:r>
+              <a:rPr lang="en-US" dirty="0"/>
+              <a:t>&lt;/p&gt;… closing tag… </a:t>
+            </a:r>
+          </a:p>
+          <a:p>
             <a:r>
               <a:rPr lang="en-US" dirty="0"/>
               <a:t>element: from opening tag to closing inclusive of everything in between : &lt;h1&gt; week2 &lt;/h1&gt;</a:t>
@@ -4301,7 +4315,7 @@
         <p:spPr/>
         <p:txBody>
           <a:bodyPr>
-            <a:normAutofit/>
+            <a:normAutofit fontScale="92500" lnSpcReduction="10000"/>
           </a:bodyPr>
           <a:lstStyle/>
           <a:p>
@@ -4311,6 +4325,15 @@
             </a:r>
           </a:p>
           <a:p>
+            <a:pPr lvl="1"/>
+            <a:r>
+              <a:rPr lang="en-US" dirty="0"/>
+              <a:t>Declaration that html </a:t>
+            </a:r>
+            <a:r>
+              <a:rPr lang="en-US"/>
+              <a:t>is written</a:t>
+            </a:r>
             <a:endParaRPr lang="en-US" dirty="0"/>
           </a:p>
           <a:p>
@@ -4334,6 +4357,12 @@
           <a:p>
             <a:r>
               <a:rPr lang="en-US" dirty="0"/>
+              <a:t>Above three makes an html document as VALID..</a:t>
+            </a:r>
+          </a:p>
+          <a:p>
+            <a:r>
+              <a:rPr lang="en-US" dirty="0"/>
               <a:t>&lt;title&gt;</a:t>
             </a:r>
           </a:p>
@@ -4346,7 +4375,7 @@
           <a:p>
             <a:r>
               <a:rPr lang="en-US" dirty="0"/>
-              <a:t>Comments</a:t>
+              <a:t>Comments : non executable parts of the program to make reader understand the code..</a:t>
             </a:r>
           </a:p>
         </p:txBody>

--- a/FrontEnd/Week2/Week 2.pptx
+++ b/FrontEnd/Week2/Week 2.pptx
@@ -20,6 +20,7 @@
     <p:sldId id="268" r:id="rId14"/>
     <p:sldId id="269" r:id="rId15"/>
     <p:sldId id="270" r:id="rId16"/>
+    <p:sldId id="271" r:id="rId17"/>
   </p:sldIdLst>
   <p:sldSz cx="12192000" cy="6858000"/>
   <p:notesSz cx="6858000" cy="9144000"/>
@@ -257,7 +258,7 @@
           <a:p>
             <a:fld id="{F28A4246-F2A7-4220-A405-8A96DAE08D6A}" type="datetimeFigureOut">
               <a:rPr lang="en-US" smtClean="0"/>
-              <a:t>9/11/2024</a:t>
+              <a:t>9/12/2024</a:t>
             </a:fld>
             <a:endParaRPr lang="en-US"/>
           </a:p>
@@ -427,7 +428,7 @@
           <a:p>
             <a:fld id="{F28A4246-F2A7-4220-A405-8A96DAE08D6A}" type="datetimeFigureOut">
               <a:rPr lang="en-US" smtClean="0"/>
-              <a:t>9/11/2024</a:t>
+              <a:t>9/12/2024</a:t>
             </a:fld>
             <a:endParaRPr lang="en-US"/>
           </a:p>
@@ -607,7 +608,7 @@
           <a:p>
             <a:fld id="{F28A4246-F2A7-4220-A405-8A96DAE08D6A}" type="datetimeFigureOut">
               <a:rPr lang="en-US" smtClean="0"/>
-              <a:t>9/11/2024</a:t>
+              <a:t>9/12/2024</a:t>
             </a:fld>
             <a:endParaRPr lang="en-US"/>
           </a:p>
@@ -777,7 +778,7 @@
           <a:p>
             <a:fld id="{F28A4246-F2A7-4220-A405-8A96DAE08D6A}" type="datetimeFigureOut">
               <a:rPr lang="en-US" smtClean="0"/>
-              <a:t>9/11/2024</a:t>
+              <a:t>9/12/2024</a:t>
             </a:fld>
             <a:endParaRPr lang="en-US"/>
           </a:p>
@@ -1023,7 +1024,7 @@
           <a:p>
             <a:fld id="{F28A4246-F2A7-4220-A405-8A96DAE08D6A}" type="datetimeFigureOut">
               <a:rPr lang="en-US" smtClean="0"/>
-              <a:t>9/11/2024</a:t>
+              <a:t>9/12/2024</a:t>
             </a:fld>
             <a:endParaRPr lang="en-US"/>
           </a:p>
@@ -1255,7 +1256,7 @@
           <a:p>
             <a:fld id="{F28A4246-F2A7-4220-A405-8A96DAE08D6A}" type="datetimeFigureOut">
               <a:rPr lang="en-US" smtClean="0"/>
-              <a:t>9/11/2024</a:t>
+              <a:t>9/12/2024</a:t>
             </a:fld>
             <a:endParaRPr lang="en-US"/>
           </a:p>
@@ -1622,7 +1623,7 @@
           <a:p>
             <a:fld id="{F28A4246-F2A7-4220-A405-8A96DAE08D6A}" type="datetimeFigureOut">
               <a:rPr lang="en-US" smtClean="0"/>
-              <a:t>9/11/2024</a:t>
+              <a:t>9/12/2024</a:t>
             </a:fld>
             <a:endParaRPr lang="en-US"/>
           </a:p>
@@ -1740,7 +1741,7 @@
           <a:p>
             <a:fld id="{F28A4246-F2A7-4220-A405-8A96DAE08D6A}" type="datetimeFigureOut">
               <a:rPr lang="en-US" smtClean="0"/>
-              <a:t>9/11/2024</a:t>
+              <a:t>9/12/2024</a:t>
             </a:fld>
             <a:endParaRPr lang="en-US"/>
           </a:p>
@@ -1835,7 +1836,7 @@
           <a:p>
             <a:fld id="{F28A4246-F2A7-4220-A405-8A96DAE08D6A}" type="datetimeFigureOut">
               <a:rPr lang="en-US" smtClean="0"/>
-              <a:t>9/11/2024</a:t>
+              <a:t>9/12/2024</a:t>
             </a:fld>
             <a:endParaRPr lang="en-US"/>
           </a:p>
@@ -2112,7 +2113,7 @@
           <a:p>
             <a:fld id="{F28A4246-F2A7-4220-A405-8A96DAE08D6A}" type="datetimeFigureOut">
               <a:rPr lang="en-US" smtClean="0"/>
-              <a:t>9/11/2024</a:t>
+              <a:t>9/12/2024</a:t>
             </a:fld>
             <a:endParaRPr lang="en-US"/>
           </a:p>
@@ -2369,7 +2370,7 @@
           <a:p>
             <a:fld id="{F28A4246-F2A7-4220-A405-8A96DAE08D6A}" type="datetimeFigureOut">
               <a:rPr lang="en-US" smtClean="0"/>
-              <a:t>9/11/2024</a:t>
+              <a:t>9/12/2024</a:t>
             </a:fld>
             <a:endParaRPr lang="en-US"/>
           </a:p>
@@ -2582,7 +2583,7 @@
           <a:p>
             <a:fld id="{F28A4246-F2A7-4220-A405-8A96DAE08D6A}" type="datetimeFigureOut">
               <a:rPr lang="en-US" smtClean="0"/>
-              <a:t>9/11/2024</a:t>
+              <a:t>9/12/2024</a:t>
             </a:fld>
             <a:endParaRPr lang="en-US"/>
           </a:p>
@@ -3368,15 +3369,26 @@
             </a:r>
           </a:p>
           <a:p>
+            <a:pPr lvl="1"/>
+            <a:r>
+              <a:rPr lang="en-US" dirty="0"/>
+              <a:t>Those who occupy a complete block.. And don’t allow anything to flow before or after them.. &lt;p&gt;,&lt;h1&gt;,&lt;div&gt;</a:t>
+            </a:r>
+          </a:p>
+          <a:p>
             <a:endParaRPr lang="en-US" dirty="0"/>
           </a:p>
           <a:p>
-            <a:endParaRPr lang="en-US" dirty="0"/>
-          </a:p>
-          <a:p>
             <a:r>
               <a:rPr lang="en-US" dirty="0"/>
               <a:t>Inline elements:</a:t>
+            </a:r>
+          </a:p>
+          <a:p>
+            <a:pPr lvl="1"/>
+            <a:r>
+              <a:rPr lang="en-US" dirty="0"/>
+              <a:t>They merge themselves within the flow of code and do not occupy a block.</a:t>
             </a:r>
           </a:p>
         </p:txBody>
@@ -3471,7 +3483,35 @@
           <a:p>
             <a:r>
               <a:rPr lang="en-US" dirty="0"/>
-              <a:t>Self closing! </a:t>
+              <a:t>Self closing!</a:t>
+            </a:r>
+          </a:p>
+          <a:p>
+            <a:r>
+              <a:rPr lang="en-US" dirty="0"/>
+              <a:t>&lt;</a:t>
+            </a:r>
+            <a:r>
+              <a:rPr lang="en-US" dirty="0" err="1"/>
+              <a:t>br</a:t>
+            </a:r>
+            <a:r>
+              <a:rPr lang="en-US" dirty="0"/>
+              <a:t>/&gt;</a:t>
+            </a:r>
+          </a:p>
+          <a:p>
+            <a:r>
+              <a:rPr lang="en-US" dirty="0"/>
+              <a:t>&lt;</a:t>
+            </a:r>
+            <a:r>
+              <a:rPr lang="en-US" dirty="0" err="1"/>
+              <a:t>hr</a:t>
+            </a:r>
+            <a:r>
+              <a:rPr lang="en-US" dirty="0"/>
+              <a:t> /&gt; .. Empty/self closing elements.. </a:t>
             </a:r>
           </a:p>
         </p:txBody>
@@ -3602,6 +3642,13 @@
               <a:t>&lt;footer&gt;</a:t>
             </a:r>
           </a:p>
+          <a:p>
+            <a:pPr lvl="1"/>
+            <a:r>
+              <a:rPr lang="en-US" dirty="0"/>
+              <a:t>&lt;aside&gt;</a:t>
+            </a:r>
+          </a:p>
         </p:txBody>
       </p:sp>
     </p:spTree>
@@ -3709,6 +3756,206 @@
 </p:sld>
 </file>
 
+<file path=ppt/slides/slide16.xml><?xml version="1.0" encoding="utf-8"?>
+<p:sld xmlns:a="http://schemas.openxmlformats.org/drawingml/2006/main" xmlns:r="http://schemas.openxmlformats.org/officeDocument/2006/relationships" xmlns:p="http://schemas.openxmlformats.org/presentationml/2006/main">
+  <p:cSld>
+    <p:spTree>
+      <p:nvGrpSpPr>
+        <p:cNvPr id="1" name=""/>
+        <p:cNvGrpSpPr/>
+        <p:nvPr/>
+      </p:nvGrpSpPr>
+      <p:grpSpPr>
+        <a:xfrm>
+          <a:off x="0" y="0"/>
+          <a:ext cx="0" cy="0"/>
+          <a:chOff x="0" y="0"/>
+          <a:chExt cx="0" cy="0"/>
+        </a:xfrm>
+      </p:grpSpPr>
+      <p:sp>
+        <p:nvSpPr>
+          <p:cNvPr id="2" name="Title 1">
+            <a:extLst>
+              <a:ext uri="{FF2B5EF4-FFF2-40B4-BE49-F238E27FC236}">
+                <a16:creationId xmlns:a16="http://schemas.microsoft.com/office/drawing/2014/main" id="{D1A39F9A-B3B8-9082-6C02-9474E35FDD52}"/>
+              </a:ext>
+            </a:extLst>
+          </p:cNvPr>
+          <p:cNvSpPr>
+            <a:spLocks noGrp="1"/>
+          </p:cNvSpPr>
+          <p:nvPr>
+            <p:ph type="title"/>
+          </p:nvPr>
+        </p:nvSpPr>
+        <p:spPr/>
+        <p:txBody>
+          <a:bodyPr/>
+          <a:lstStyle/>
+          <a:p>
+            <a:r>
+              <a:rPr lang="en-US" dirty="0"/>
+              <a:t>Tables!</a:t>
+            </a:r>
+          </a:p>
+        </p:txBody>
+      </p:sp>
+      <p:sp>
+        <p:nvSpPr>
+          <p:cNvPr id="3" name="Content Placeholder 2">
+            <a:extLst>
+              <a:ext uri="{FF2B5EF4-FFF2-40B4-BE49-F238E27FC236}">
+                <a16:creationId xmlns:a16="http://schemas.microsoft.com/office/drawing/2014/main" id="{9E84BBBA-D1FB-CC23-4F3F-CFDF5E45F83D}"/>
+              </a:ext>
+            </a:extLst>
+          </p:cNvPr>
+          <p:cNvSpPr>
+            <a:spLocks noGrp="1"/>
+          </p:cNvSpPr>
+          <p:nvPr>
+            <p:ph idx="1"/>
+          </p:nvPr>
+        </p:nvSpPr>
+        <p:spPr/>
+        <p:txBody>
+          <a:bodyPr>
+            <a:normAutofit lnSpcReduction="10000"/>
+          </a:bodyPr>
+          <a:lstStyle/>
+          <a:p>
+            <a:r>
+              <a:rPr lang="en-US" dirty="0"/>
+              <a:t>&lt;table&gt;&lt;/table&gt;</a:t>
+            </a:r>
+          </a:p>
+          <a:p>
+            <a:r>
+              <a:rPr lang="en-US" dirty="0"/>
+              <a:t>&lt;caption&gt;&lt;/caption&gt;</a:t>
+            </a:r>
+          </a:p>
+          <a:p>
+            <a:r>
+              <a:rPr lang="en-US" dirty="0"/>
+              <a:t>&lt;</a:t>
+            </a:r>
+            <a:r>
+              <a:rPr lang="en-US" dirty="0" err="1"/>
+              <a:t>thead</a:t>
+            </a:r>
+            <a:r>
+              <a:rPr lang="en-US" dirty="0"/>
+              <a:t>&gt; &lt;/</a:t>
+            </a:r>
+            <a:r>
+              <a:rPr lang="en-US" dirty="0" err="1"/>
+              <a:t>thead</a:t>
+            </a:r>
+            <a:r>
+              <a:rPr lang="en-US" dirty="0"/>
+              <a:t>&gt;</a:t>
+            </a:r>
+          </a:p>
+          <a:p>
+            <a:r>
+              <a:rPr lang="en-US" dirty="0"/>
+              <a:t>&lt;</a:t>
+            </a:r>
+            <a:r>
+              <a:rPr lang="en-US" dirty="0" err="1"/>
+              <a:t>tbody</a:t>
+            </a:r>
+            <a:r>
+              <a:rPr lang="en-US" dirty="0"/>
+              <a:t>&gt;&lt;/</a:t>
+            </a:r>
+            <a:r>
+              <a:rPr lang="en-US" dirty="0" err="1"/>
+              <a:t>tbody</a:t>
+            </a:r>
+            <a:r>
+              <a:rPr lang="en-US" dirty="0"/>
+              <a:t>&gt;</a:t>
+            </a:r>
+          </a:p>
+          <a:p>
+            <a:r>
+              <a:rPr lang="en-US" dirty="0"/>
+              <a:t>&lt;</a:t>
+            </a:r>
+            <a:r>
+              <a:rPr lang="en-US" dirty="0" err="1"/>
+              <a:t>tfoot</a:t>
+            </a:r>
+            <a:r>
+              <a:rPr lang="en-US" dirty="0"/>
+              <a:t>&gt;&lt;/</a:t>
+            </a:r>
+            <a:r>
+              <a:rPr lang="en-US" dirty="0" err="1"/>
+              <a:t>tfoot</a:t>
+            </a:r>
+            <a:r>
+              <a:rPr lang="en-US" dirty="0"/>
+              <a:t>&gt;</a:t>
+            </a:r>
+          </a:p>
+          <a:p>
+            <a:endParaRPr lang="en-US" dirty="0"/>
+          </a:p>
+          <a:p>
+            <a:r>
+              <a:rPr lang="en-US" dirty="0"/>
+              <a:t>&lt;tr&gt;&lt;/tr&gt;</a:t>
+            </a:r>
+          </a:p>
+          <a:p>
+            <a:r>
+              <a:rPr lang="en-US" dirty="0"/>
+              <a:t>&lt;td&gt;&lt;/td&gt;</a:t>
+            </a:r>
+          </a:p>
+          <a:p>
+            <a:r>
+              <a:rPr lang="en-US" dirty="0"/>
+              <a:t>&lt;</a:t>
+            </a:r>
+            <a:r>
+              <a:rPr lang="en-US" dirty="0" err="1"/>
+              <a:t>th</a:t>
+            </a:r>
+            <a:r>
+              <a:rPr lang="en-US" dirty="0"/>
+              <a:t>&gt;&lt;/</a:t>
+            </a:r>
+            <a:r>
+              <a:rPr lang="en-US" dirty="0" err="1"/>
+              <a:t>th</a:t>
+            </a:r>
+            <a:r>
+              <a:rPr lang="en-US"/>
+              <a:t>&gt;</a:t>
+            </a:r>
+          </a:p>
+          <a:p>
+            <a:endParaRPr lang="en-US" dirty="0"/>
+          </a:p>
+        </p:txBody>
+      </p:sp>
+    </p:spTree>
+    <p:extLst>
+      <p:ext uri="{BB962C8B-B14F-4D97-AF65-F5344CB8AC3E}">
+        <p14:creationId xmlns:p14="http://schemas.microsoft.com/office/powerpoint/2010/main" val="232434356"/>
+      </p:ext>
+    </p:extLst>
+  </p:cSld>
+  <p:clrMapOvr>
+    <a:masterClrMapping/>
+  </p:clrMapOvr>
+</p:sld>
+</file>
+
 <file path=ppt/slides/slide2.xml><?xml version="1.0" encoding="utf-8"?>
 <p:sld xmlns:a="http://schemas.openxmlformats.org/drawingml/2006/main" xmlns:r="http://schemas.openxmlformats.org/officeDocument/2006/relationships" xmlns:p="http://schemas.openxmlformats.org/presentationml/2006/main">
   <p:cSld>
@@ -4315,7 +4562,7 @@
         <p:spPr/>
         <p:txBody>
           <a:bodyPr>
-            <a:normAutofit fontScale="92500" lnSpcReduction="10000"/>
+            <a:normAutofit fontScale="92500" lnSpcReduction="20000"/>
           </a:bodyPr>
           <a:lstStyle/>
           <a:p>
@@ -4328,43 +4575,42 @@
             <a:pPr lvl="1"/>
             <a:r>
               <a:rPr lang="en-US" dirty="0"/>
-              <a:t>Declaration that html </a:t>
-            </a:r>
-            <a:r>
-              <a:rPr lang="en-US"/>
-              <a:t>is written</a:t>
-            </a:r>
+              <a:t>Declaration that html is written</a:t>
+            </a:r>
+          </a:p>
+          <a:p>
+            <a:r>
+              <a:rPr lang="en-US" dirty="0"/>
+              <a:t>&lt;html&gt;</a:t>
+            </a:r>
+          </a:p>
+          <a:p>
+            <a:r>
+              <a:rPr lang="en-US" dirty="0"/>
+              <a:t>&lt;head&gt;</a:t>
+            </a:r>
+          </a:p>
+          <a:p>
+            <a:r>
+              <a:rPr lang="en-US" dirty="0"/>
+              <a:t>&lt;body&gt;</a:t>
+            </a:r>
+          </a:p>
+          <a:p>
+            <a:r>
+              <a:rPr lang="en-US" dirty="0"/>
+              <a:t>&lt;title&gt;</a:t>
+            </a:r>
+          </a:p>
+          <a:p>
+            <a:pPr lvl="1"/>
+            <a:r>
+              <a:rPr lang="en-US" dirty="0"/>
+              <a:t>Above three makes an html document as VALID..</a:t>
+            </a:r>
+          </a:p>
+          <a:p>
             <a:endParaRPr lang="en-US" dirty="0"/>
-          </a:p>
-          <a:p>
-            <a:r>
-              <a:rPr lang="en-US" dirty="0"/>
-              <a:t>&lt;html&gt;</a:t>
-            </a:r>
-          </a:p>
-          <a:p>
-            <a:r>
-              <a:rPr lang="en-US" dirty="0"/>
-              <a:t>&lt;head&gt;</a:t>
-            </a:r>
-          </a:p>
-          <a:p>
-            <a:r>
-              <a:rPr lang="en-US" dirty="0"/>
-              <a:t>&lt;body&gt;</a:t>
-            </a:r>
-          </a:p>
-          <a:p>
-            <a:r>
-              <a:rPr lang="en-US" dirty="0"/>
-              <a:t>Above three makes an html document as VALID..</a:t>
-            </a:r>
-          </a:p>
-          <a:p>
-            <a:r>
-              <a:rPr lang="en-US" dirty="0"/>
-              <a:t>&lt;title&gt;</a:t>
-            </a:r>
           </a:p>
           <a:p>
             <a:r>
@@ -4467,7 +4713,7 @@
           <a:p>
             <a:r>
               <a:rPr lang="en-US" dirty="0"/>
-              <a:t>&lt;head&gt;</a:t>
+              <a:t>&lt;head&gt;&lt;title&gt;</a:t>
             </a:r>
           </a:p>
           <a:p>
@@ -4546,7 +4792,7 @@
           <a:p>
             <a:r>
               <a:rPr lang="en-US" dirty="0"/>
-              <a:t>Content Sections</a:t>
+              <a:t>Content Sections – INSIDE &lt;body&gt;</a:t>
             </a:r>
           </a:p>
         </p:txBody>
@@ -4574,25 +4820,33 @@
           <a:p>
             <a:r>
               <a:rPr lang="en-US" dirty="0"/>
-              <a:t>&lt;header&gt;</a:t>
-            </a:r>
-          </a:p>
-          <a:p>
-            <a:r>
-              <a:rPr lang="en-US" dirty="0"/>
-              <a:t>&lt;nav&gt;</a:t>
-            </a:r>
-          </a:p>
-          <a:p>
-            <a:r>
-              <a:rPr lang="en-US" dirty="0"/>
-              <a:t>&lt;main&gt;</a:t>
-            </a:r>
-          </a:p>
-          <a:p>
-            <a:r>
-              <a:rPr lang="en-US" dirty="0"/>
-              <a:t>&lt;footer&gt;</a:t>
+              <a:t>&lt;header&gt;: introductory material for the </a:t>
+            </a:r>
+            <a:r>
+              <a:rPr lang="en-US" dirty="0" err="1"/>
+              <a:t>page..DON’T</a:t>
+            </a:r>
+            <a:r>
+              <a:rPr lang="en-US" dirty="0"/>
+              <a:t> CONFUSE THIS WITH &lt;head&gt;</a:t>
+            </a:r>
+          </a:p>
+          <a:p>
+            <a:r>
+              <a:rPr lang="en-US" dirty="0"/>
+              <a:t>&lt;nav&gt;: navigation…all the links of the should be inside &lt;nav&gt;</a:t>
+            </a:r>
+          </a:p>
+          <a:p>
+            <a:r>
+              <a:rPr lang="en-US" dirty="0"/>
+              <a:t>&lt;main&gt; : The main information that you want to convey…</a:t>
+            </a:r>
+          </a:p>
+          <a:p>
+            <a:r>
+              <a:rPr lang="en-US" dirty="0"/>
+              <a:t>&lt;footer&gt;: last lines that usually have copyright.. Registered… things and some extra links…</a:t>
             </a:r>
           </a:p>
           <a:p>
@@ -4681,7 +4935,7 @@
           <a:p>
             <a:r>
               <a:rPr lang="en-US" dirty="0"/>
-              <a:t>&lt;div&gt;</a:t>
+              <a:t>&lt;div&gt; : generic container for applying styles, or scripts etc..</a:t>
             </a:r>
           </a:p>
           <a:p>
@@ -4695,7 +4949,7 @@
             </a:r>
             <a:r>
               <a:rPr lang="en-US" dirty="0"/>
-              <a:t>&gt;</a:t>
+              <a:t>&gt; :ordered list.. numbering</a:t>
             </a:r>
           </a:p>
           <a:p>
@@ -4728,6 +4982,12 @@
             <a:r>
               <a:rPr lang="en-US" dirty="0"/>
               <a:t>&lt;blockquote&gt;</a:t>
+            </a:r>
+          </a:p>
+          <a:p>
+            <a:r>
+              <a:rPr lang="en-US" dirty="0"/>
+              <a:t>&lt;q&gt;</a:t>
             </a:r>
           </a:p>
         </p:txBody>
